--- a/freertos.pptx
+++ b/freertos.pptx
@@ -37,7 +37,7 @@
       <p:boldItalic r:id="rId20"/>
     </p:embeddedFont>
     <p:embeddedFont>
-      <p:font typeface="Kantumruy Pro" charset="0"/>
+      <p:font typeface="Kantumruy Pro" pitchFamily="2" charset="0"/>
       <p:regular r:id="rId21"/>
       <p:bold r:id="rId22"/>
       <p:italic r:id="rId23"/>
@@ -288,6 +288,11 @@
       </a:defRPr>
     </a:lvl9pPr>
   </p:defaultTextStyle>
+  <p:extLst>
+    <p:ext uri="{EFAFB233-063F-42B5-8137-9DF3F51BA10A}">
+      <p15:sldGuideLst xmlns:p15="http://schemas.microsoft.com/office/powerpoint/2012/main"/>
+    </p:ext>
+  </p:extLst>
 </p:presentation>
 </file>
 
@@ -12466,10 +12471,16 @@
               <a:t>Correo: 	</a:t>
             </a:r>
             <a:r>
+              <a:rPr lang="es-PE" u="sng" dirty="0">
+                <a:hlinkClick r:id="rId2"/>
+              </a:rPr>
+              <a:t>edelatorrevelarde</a:t>
+            </a:r>
+            <a:r>
               <a:rPr lang="es-PE" dirty="0">
                 <a:hlinkClick r:id="rId2"/>
               </a:rPr>
-              <a:t>edelatorrevealrde@gmail.com</a:t>
+              <a:t>@gmail.com</a:t>
             </a:r>
             <a:endParaRPr lang="es-PE" dirty="0"/>
           </a:p>
